--- a/The history of videogames.pptx
+++ b/The history of videogames.pptx
@@ -111,6 +111,11 @@
       </a:defRPr>
     </a:lvl9pPr>
   </p:defaultTextStyle>
+  <p:extLst>
+    <p:ext uri="{EFAFB233-063F-42B5-8137-9DF3F51BA10A}">
+      <p15:sldGuideLst xmlns:p15="http://schemas.microsoft.com/office/powerpoint/2012/main"/>
+    </p:ext>
+  </p:extLst>
 </p:presentation>
 </file>
 
@@ -6054,9 +6059,16 @@
             <p:ph idx="1"/>
           </p:nvPr>
         </p:nvSpPr>
-        <p:spPr/>
-        <p:txBody>
-          <a:bodyPr/>
+        <p:spPr>
+          <a:xfrm>
+            <a:off x="546706" y="4873381"/>
+            <a:ext cx="8596668" cy="2007650"/>
+          </a:xfrm>
+        </p:spPr>
+        <p:txBody>
+          <a:bodyPr>
+            <a:normAutofit lnSpcReduction="10000"/>
+          </a:bodyPr>
           <a:lstStyle/>
           <a:p>
             <a:pPr marL="0" indent="0">
@@ -6106,6 +6118,47 @@
           </a:p>
         </p:txBody>
       </p:sp>
+      <p:pic>
+        <p:nvPicPr>
+          <p:cNvPr id="1026" name="Picture 2" descr="Tennis for Two - Wikipedia"/>
+          <p:cNvPicPr>
+            <a:picLocks noChangeAspect="1" noChangeArrowheads="1"/>
+          </p:cNvPicPr>
+          <p:nvPr/>
+        </p:nvPicPr>
+        <p:blipFill>
+          <a:blip r:embed="rId2">
+            <a:extLst>
+              <a:ext uri="{28A0092B-C50C-407E-A947-70E740481C1C}">
+                <a14:useLocalDpi xmlns:a14="http://schemas.microsoft.com/office/drawing/2010/main" val="0"/>
+              </a:ext>
+            </a:extLst>
+          </a:blip>
+          <a:srcRect/>
+          <a:stretch>
+            <a:fillRect/>
+          </a:stretch>
+        </p:blipFill>
+        <p:spPr bwMode="auto">
+          <a:xfrm>
+            <a:off x="3694422" y="1469175"/>
+            <a:ext cx="3574639" cy="3174078"/>
+          </a:xfrm>
+          <a:prstGeom prst="rect">
+            <a:avLst/>
+          </a:prstGeom>
+          <a:noFill/>
+          <a:extLst>
+            <a:ext uri="{909E8E84-426E-40DD-AFC4-6F175D3DCCD1}">
+              <a14:hiddenFill xmlns:a14="http://schemas.microsoft.com/office/drawing/2010/main">
+                <a:solidFill>
+                  <a:srgbClr val="FFFFFF"/>
+                </a:solidFill>
+              </a14:hiddenFill>
+            </a:ext>
+          </a:extLst>
+        </p:spPr>
+      </p:pic>
     </p:spTree>
     <p:extLst>
       <p:ext uri="{BB962C8B-B14F-4D97-AF65-F5344CB8AC3E}">
@@ -6299,6 +6352,129 @@
           </a:p>
         </p:txBody>
       </p:sp>
+      <p:pic>
+        <p:nvPicPr>
+          <p:cNvPr id="2052" name="Picture 4" descr="Pong - The Strong National Museum of Play"/>
+          <p:cNvPicPr>
+            <a:picLocks noChangeAspect="1" noChangeArrowheads="1"/>
+          </p:cNvPicPr>
+          <p:nvPr/>
+        </p:nvPicPr>
+        <p:blipFill>
+          <a:blip r:embed="rId2" cstate="print">
+            <a:extLst>
+              <a:ext uri="{28A0092B-C50C-407E-A947-70E740481C1C}">
+                <a14:useLocalDpi xmlns:a14="http://schemas.microsoft.com/office/drawing/2010/main" val="0"/>
+              </a:ext>
+            </a:extLst>
+          </a:blip>
+          <a:srcRect/>
+          <a:stretch>
+            <a:fillRect/>
+          </a:stretch>
+        </p:blipFill>
+        <p:spPr bwMode="auto">
+          <a:xfrm>
+            <a:off x="761217" y="1270000"/>
+            <a:ext cx="2076986" cy="2076986"/>
+          </a:xfrm>
+          <a:prstGeom prst="rect">
+            <a:avLst/>
+          </a:prstGeom>
+          <a:noFill/>
+          <a:extLst>
+            <a:ext uri="{909E8E84-426E-40DD-AFC4-6F175D3DCCD1}">
+              <a14:hiddenFill xmlns:a14="http://schemas.microsoft.com/office/drawing/2010/main">
+                <a:solidFill>
+                  <a:srgbClr val="FFFFFF"/>
+                </a:solidFill>
+              </a14:hiddenFill>
+            </a:ext>
+          </a:extLst>
+        </p:spPr>
+      </p:pic>
+      <p:pic>
+        <p:nvPicPr>
+          <p:cNvPr id="2056" name="Picture 8" descr="Space Invaders — Википедия"/>
+          <p:cNvPicPr>
+            <a:picLocks noChangeAspect="1" noChangeArrowheads="1"/>
+          </p:cNvPicPr>
+          <p:nvPr/>
+        </p:nvPicPr>
+        <p:blipFill>
+          <a:blip r:embed="rId3">
+            <a:extLst>
+              <a:ext uri="{28A0092B-C50C-407E-A947-70E740481C1C}">
+                <a14:useLocalDpi xmlns:a14="http://schemas.microsoft.com/office/drawing/2010/main" val="0"/>
+              </a:ext>
+            </a:extLst>
+          </a:blip>
+          <a:srcRect/>
+          <a:stretch>
+            <a:fillRect/>
+          </a:stretch>
+        </p:blipFill>
+        <p:spPr bwMode="auto">
+          <a:xfrm>
+            <a:off x="5201300" y="1378969"/>
+            <a:ext cx="1722015" cy="1968017"/>
+          </a:xfrm>
+          <a:prstGeom prst="rect">
+            <a:avLst/>
+          </a:prstGeom>
+          <a:noFill/>
+          <a:extLst>
+            <a:ext uri="{909E8E84-426E-40DD-AFC4-6F175D3DCCD1}">
+              <a14:hiddenFill xmlns:a14="http://schemas.microsoft.com/office/drawing/2010/main">
+                <a:solidFill>
+                  <a:srgbClr val="FFFFFF"/>
+                </a:solidFill>
+              </a14:hiddenFill>
+            </a:ext>
+          </a:extLst>
+        </p:spPr>
+      </p:pic>
+      <p:pic>
+        <p:nvPicPr>
+          <p:cNvPr id="2058" name="Picture 10" descr="2022 10306 игровой консоли Atari 2600, игрушки для детей - купить по  выгодной цене | AliExpress"/>
+          <p:cNvPicPr>
+            <a:picLocks noChangeAspect="1" noChangeArrowheads="1"/>
+          </p:cNvPicPr>
+          <p:nvPr/>
+        </p:nvPicPr>
+        <p:blipFill>
+          <a:blip r:embed="rId4" cstate="print">
+            <a:extLst>
+              <a:ext uri="{28A0092B-C50C-407E-A947-70E740481C1C}">
+                <a14:useLocalDpi xmlns:a14="http://schemas.microsoft.com/office/drawing/2010/main" val="0"/>
+              </a:ext>
+            </a:extLst>
+          </a:blip>
+          <a:srcRect/>
+          <a:stretch>
+            <a:fillRect/>
+          </a:stretch>
+        </p:blipFill>
+        <p:spPr bwMode="auto">
+          <a:xfrm>
+            <a:off x="8836438" y="1378969"/>
+            <a:ext cx="2124487" cy="2124487"/>
+          </a:xfrm>
+          <a:prstGeom prst="rect">
+            <a:avLst/>
+          </a:prstGeom>
+          <a:noFill/>
+          <a:extLst>
+            <a:ext uri="{909E8E84-426E-40DD-AFC4-6F175D3DCCD1}">
+              <a14:hiddenFill xmlns:a14="http://schemas.microsoft.com/office/drawing/2010/main">
+                <a:solidFill>
+                  <a:srgbClr val="FFFFFF"/>
+                </a:solidFill>
+              </a14:hiddenFill>
+            </a:ext>
+          </a:extLst>
+        </p:spPr>
+      </p:pic>
     </p:spTree>
     <p:extLst>
       <p:ext uri="{BB962C8B-B14F-4D97-AF65-F5344CB8AC3E}">
@@ -6367,8 +6543,8 @@
         </p:nvSpPr>
         <p:spPr>
           <a:xfrm>
-            <a:off x="677333" y="2160589"/>
-            <a:ext cx="8701797" cy="3880773"/>
+            <a:off x="677334" y="4268459"/>
+            <a:ext cx="8701797" cy="2589541"/>
           </a:xfrm>
         </p:spPr>
         <p:txBody>
@@ -6443,6 +6619,211 @@
           </a:p>
         </p:txBody>
       </p:sp>
+      <p:pic>
+        <p:nvPicPr>
+          <p:cNvPr id="3076" name="Picture 4" descr="PAC-MAN™ | NES | Игры | Nintendo"/>
+          <p:cNvPicPr>
+            <a:picLocks noChangeAspect="1" noChangeArrowheads="1"/>
+          </p:cNvPicPr>
+          <p:nvPr/>
+        </p:nvPicPr>
+        <p:blipFill>
+          <a:blip r:embed="rId2" cstate="print">
+            <a:extLst>
+              <a:ext uri="{28A0092B-C50C-407E-A947-70E740481C1C}">
+                <a14:useLocalDpi xmlns:a14="http://schemas.microsoft.com/office/drawing/2010/main" val="0"/>
+              </a:ext>
+            </a:extLst>
+          </a:blip>
+          <a:srcRect/>
+          <a:stretch>
+            <a:fillRect/>
+          </a:stretch>
+        </p:blipFill>
+        <p:spPr bwMode="auto">
+          <a:xfrm>
+            <a:off x="155575" y="1658082"/>
+            <a:ext cx="2882694" cy="1441347"/>
+          </a:xfrm>
+          <a:prstGeom prst="rect">
+            <a:avLst/>
+          </a:prstGeom>
+          <a:noFill/>
+          <a:extLst>
+            <a:ext uri="{909E8E84-426E-40DD-AFC4-6F175D3DCCD1}">
+              <a14:hiddenFill xmlns:a14="http://schemas.microsoft.com/office/drawing/2010/main">
+                <a:solidFill>
+                  <a:srgbClr val="FFFFFF"/>
+                </a:solidFill>
+              </a14:hiddenFill>
+            </a:ext>
+          </a:extLst>
+        </p:spPr>
+      </p:pic>
+      <p:pic>
+        <p:nvPicPr>
+          <p:cNvPr id="3078" name="Picture 6" descr="NES Longplay [1980] Ultima - Seija e no Michi - YouTube"/>
+          <p:cNvPicPr>
+            <a:picLocks noChangeAspect="1" noChangeArrowheads="1"/>
+          </p:cNvPicPr>
+          <p:nvPr/>
+        </p:nvPicPr>
+        <p:blipFill>
+          <a:blip r:embed="rId3">
+            <a:extLst>
+              <a:ext uri="{28A0092B-C50C-407E-A947-70E740481C1C}">
+                <a14:useLocalDpi xmlns:a14="http://schemas.microsoft.com/office/drawing/2010/main" val="0"/>
+              </a:ext>
+            </a:extLst>
+          </a:blip>
+          <a:srcRect/>
+          <a:stretch>
+            <a:fillRect/>
+          </a:stretch>
+        </p:blipFill>
+        <p:spPr bwMode="auto">
+          <a:xfrm>
+            <a:off x="3278786" y="1773856"/>
+            <a:ext cx="3160842" cy="2370632"/>
+          </a:xfrm>
+          <a:prstGeom prst="rect">
+            <a:avLst/>
+          </a:prstGeom>
+          <a:noFill/>
+          <a:extLst>
+            <a:ext uri="{909E8E84-426E-40DD-AFC4-6F175D3DCCD1}">
+              <a14:hiddenFill xmlns:a14="http://schemas.microsoft.com/office/drawing/2010/main">
+                <a:solidFill>
+                  <a:srgbClr val="FFFFFF"/>
+                </a:solidFill>
+              </a14:hiddenFill>
+            </a:ext>
+          </a:extLst>
+        </p:spPr>
+      </p:pic>
+      <p:pic>
+        <p:nvPicPr>
+          <p:cNvPr id="3080" name="Picture 8" descr="Mario Bros. | NES | Игры | Nintendo"/>
+          <p:cNvPicPr>
+            <a:picLocks noChangeAspect="1" noChangeArrowheads="1"/>
+          </p:cNvPicPr>
+          <p:nvPr/>
+        </p:nvPicPr>
+        <p:blipFill>
+          <a:blip r:embed="rId4" cstate="print">
+            <a:extLst>
+              <a:ext uri="{28A0092B-C50C-407E-A947-70E740481C1C}">
+                <a14:useLocalDpi xmlns:a14="http://schemas.microsoft.com/office/drawing/2010/main" val="0"/>
+              </a:ext>
+            </a:extLst>
+          </a:blip>
+          <a:srcRect/>
+          <a:stretch>
+            <a:fillRect/>
+          </a:stretch>
+        </p:blipFill>
+        <p:spPr bwMode="auto">
+          <a:xfrm>
+            <a:off x="6793881" y="1288442"/>
+            <a:ext cx="3621974" cy="1810987"/>
+          </a:xfrm>
+          <a:prstGeom prst="rect">
+            <a:avLst/>
+          </a:prstGeom>
+          <a:noFill/>
+          <a:extLst>
+            <a:ext uri="{909E8E84-426E-40DD-AFC4-6F175D3DCCD1}">
+              <a14:hiddenFill xmlns:a14="http://schemas.microsoft.com/office/drawing/2010/main">
+                <a:solidFill>
+                  <a:srgbClr val="FFFFFF"/>
+                </a:solidFill>
+              </a14:hiddenFill>
+            </a:ext>
+          </a:extLst>
+        </p:spPr>
+      </p:pic>
+      <p:pic>
+        <p:nvPicPr>
+          <p:cNvPr id="3082" name="Picture 10" descr="SimCity 30 Years Later: A Retrospective - YouTube"/>
+          <p:cNvPicPr>
+            <a:picLocks noChangeAspect="1" noChangeArrowheads="1"/>
+          </p:cNvPicPr>
+          <p:nvPr/>
+        </p:nvPicPr>
+        <p:blipFill>
+          <a:blip r:embed="rId5" cstate="print">
+            <a:extLst>
+              <a:ext uri="{28A0092B-C50C-407E-A947-70E740481C1C}">
+                <a14:useLocalDpi xmlns:a14="http://schemas.microsoft.com/office/drawing/2010/main" val="0"/>
+              </a:ext>
+            </a:extLst>
+          </a:blip>
+          <a:srcRect/>
+          <a:stretch>
+            <a:fillRect/>
+          </a:stretch>
+        </p:blipFill>
+        <p:spPr bwMode="auto">
+          <a:xfrm>
+            <a:off x="9473746" y="3288042"/>
+            <a:ext cx="2718254" cy="1529018"/>
+          </a:xfrm>
+          <a:prstGeom prst="rect">
+            <a:avLst/>
+          </a:prstGeom>
+          <a:noFill/>
+          <a:extLst>
+            <a:ext uri="{909E8E84-426E-40DD-AFC4-6F175D3DCCD1}">
+              <a14:hiddenFill xmlns:a14="http://schemas.microsoft.com/office/drawing/2010/main">
+                <a:solidFill>
+                  <a:srgbClr val="FFFFFF"/>
+                </a:solidFill>
+              </a14:hiddenFill>
+            </a:ext>
+          </a:extLst>
+        </p:spPr>
+      </p:pic>
+      <p:pic>
+        <p:nvPicPr>
+          <p:cNvPr id="3084" name="Picture 12" descr="Game Boy — Википедия"/>
+          <p:cNvPicPr>
+            <a:picLocks noChangeAspect="1" noChangeArrowheads="1"/>
+          </p:cNvPicPr>
+          <p:nvPr/>
+        </p:nvPicPr>
+        <p:blipFill>
+          <a:blip r:embed="rId6" cstate="print">
+            <a:extLst>
+              <a:ext uri="{28A0092B-C50C-407E-A947-70E740481C1C}">
+                <a14:useLocalDpi xmlns:a14="http://schemas.microsoft.com/office/drawing/2010/main" val="0"/>
+              </a:ext>
+            </a:extLst>
+          </a:blip>
+          <a:srcRect/>
+          <a:stretch>
+            <a:fillRect/>
+          </a:stretch>
+        </p:blipFill>
+        <p:spPr bwMode="auto">
+          <a:xfrm>
+            <a:off x="9473746" y="5005673"/>
+            <a:ext cx="1582491" cy="1919191"/>
+          </a:xfrm>
+          <a:prstGeom prst="rect">
+            <a:avLst/>
+          </a:prstGeom>
+          <a:noFill/>
+          <a:extLst>
+            <a:ext uri="{909E8E84-426E-40DD-AFC4-6F175D3DCCD1}">
+              <a14:hiddenFill xmlns:a14="http://schemas.microsoft.com/office/drawing/2010/main">
+                <a:solidFill>
+                  <a:srgbClr val="FFFFFF"/>
+                </a:solidFill>
+              </a14:hiddenFill>
+            </a:ext>
+          </a:extLst>
+        </p:spPr>
+      </p:pic>
     </p:spTree>
     <p:extLst>
       <p:ext uri="{BB962C8B-B14F-4D97-AF65-F5344CB8AC3E}">
@@ -6654,6 +7035,129 @@
           </a:p>
         </p:txBody>
       </p:sp>
+      <p:pic>
+        <p:nvPicPr>
+          <p:cNvPr id="4098" name="Picture 2" descr="Краткая история консолей Sony Playstation | Кулаков рекомендует | Дзен"/>
+          <p:cNvPicPr>
+            <a:picLocks noChangeAspect="1" noChangeArrowheads="1"/>
+          </p:cNvPicPr>
+          <p:nvPr/>
+        </p:nvPicPr>
+        <p:blipFill>
+          <a:blip r:embed="rId2" cstate="print">
+            <a:extLst>
+              <a:ext uri="{28A0092B-C50C-407E-A947-70E740481C1C}">
+                <a14:useLocalDpi xmlns:a14="http://schemas.microsoft.com/office/drawing/2010/main" val="0"/>
+              </a:ext>
+            </a:extLst>
+          </a:blip>
+          <a:srcRect/>
+          <a:stretch>
+            <a:fillRect/>
+          </a:stretch>
+        </p:blipFill>
+        <p:spPr bwMode="auto">
+          <a:xfrm>
+            <a:off x="0" y="1778331"/>
+            <a:ext cx="3230826" cy="1214252"/>
+          </a:xfrm>
+          <a:prstGeom prst="rect">
+            <a:avLst/>
+          </a:prstGeom>
+          <a:noFill/>
+          <a:extLst>
+            <a:ext uri="{909E8E84-426E-40DD-AFC4-6F175D3DCCD1}">
+              <a14:hiddenFill xmlns:a14="http://schemas.microsoft.com/office/drawing/2010/main">
+                <a:solidFill>
+                  <a:srgbClr val="FFFFFF"/>
+                </a:solidFill>
+              </a14:hiddenFill>
+            </a:ext>
+          </a:extLst>
+        </p:spPr>
+      </p:pic>
+      <p:pic>
+        <p:nvPicPr>
+          <p:cNvPr id="4100" name="Picture 4" descr="Tomb Raider (1996 Game) | Lara Croft Wiki | Fandom"/>
+          <p:cNvPicPr>
+            <a:picLocks noChangeAspect="1" noChangeArrowheads="1"/>
+          </p:cNvPicPr>
+          <p:nvPr/>
+        </p:nvPicPr>
+        <p:blipFill>
+          <a:blip r:embed="rId3" cstate="print">
+            <a:extLst>
+              <a:ext uri="{28A0092B-C50C-407E-A947-70E740481C1C}">
+                <a14:useLocalDpi xmlns:a14="http://schemas.microsoft.com/office/drawing/2010/main" val="0"/>
+              </a:ext>
+            </a:extLst>
+          </a:blip>
+          <a:srcRect/>
+          <a:stretch>
+            <a:fillRect/>
+          </a:stretch>
+        </p:blipFill>
+        <p:spPr bwMode="auto">
+          <a:xfrm>
+            <a:off x="4591049" y="1598758"/>
+            <a:ext cx="1393825" cy="1393825"/>
+          </a:xfrm>
+          <a:prstGeom prst="rect">
+            <a:avLst/>
+          </a:prstGeom>
+          <a:noFill/>
+          <a:extLst>
+            <a:ext uri="{909E8E84-426E-40DD-AFC4-6F175D3DCCD1}">
+              <a14:hiddenFill xmlns:a14="http://schemas.microsoft.com/office/drawing/2010/main">
+                <a:solidFill>
+                  <a:srgbClr val="FFFFFF"/>
+                </a:solidFill>
+              </a14:hiddenFill>
+            </a:ext>
+          </a:extLst>
+        </p:spPr>
+      </p:pic>
+      <p:pic>
+        <p:nvPicPr>
+          <p:cNvPr id="4104" name="Picture 8" descr="Great moments in PC gaming: Fighting mecha Hitler in Wolfenstein 3D | PC  Gamer"/>
+          <p:cNvPicPr>
+            <a:picLocks noChangeAspect="1" noChangeArrowheads="1"/>
+          </p:cNvPicPr>
+          <p:nvPr/>
+        </p:nvPicPr>
+        <p:blipFill>
+          <a:blip r:embed="rId4">
+            <a:extLst>
+              <a:ext uri="{28A0092B-C50C-407E-A947-70E740481C1C}">
+                <a14:useLocalDpi xmlns:a14="http://schemas.microsoft.com/office/drawing/2010/main" val="0"/>
+              </a:ext>
+            </a:extLst>
+          </a:blip>
+          <a:srcRect/>
+          <a:stretch>
+            <a:fillRect/>
+          </a:stretch>
+        </p:blipFill>
+        <p:spPr bwMode="auto">
+          <a:xfrm>
+            <a:off x="8281459" y="1319504"/>
+            <a:ext cx="2352766" cy="1673079"/>
+          </a:xfrm>
+          <a:prstGeom prst="rect">
+            <a:avLst/>
+          </a:prstGeom>
+          <a:noFill/>
+          <a:extLst>
+            <a:ext uri="{909E8E84-426E-40DD-AFC4-6F175D3DCCD1}">
+              <a14:hiddenFill xmlns:a14="http://schemas.microsoft.com/office/drawing/2010/main">
+                <a:solidFill>
+                  <a:srgbClr val="FFFFFF"/>
+                </a:solidFill>
+              </a14:hiddenFill>
+            </a:ext>
+          </a:extLst>
+        </p:spPr>
+      </p:pic>
     </p:spTree>
     <p:extLst>
       <p:ext uri="{BB962C8B-B14F-4D97-AF65-F5344CB8AC3E}">
@@ -6795,6 +7299,88 @@
           </a:p>
         </p:txBody>
       </p:sp>
+      <p:pic>
+        <p:nvPicPr>
+          <p:cNvPr id="5122" name="Picture 2" descr="Counter-Strike | Counter-Strike Wiki | Fandom"/>
+          <p:cNvPicPr>
+            <a:picLocks noChangeAspect="1" noChangeArrowheads="1"/>
+          </p:cNvPicPr>
+          <p:nvPr/>
+        </p:nvPicPr>
+        <p:blipFill>
+          <a:blip r:embed="rId2" cstate="print">
+            <a:extLst>
+              <a:ext uri="{28A0092B-C50C-407E-A947-70E740481C1C}">
+                <a14:useLocalDpi xmlns:a14="http://schemas.microsoft.com/office/drawing/2010/main" val="0"/>
+              </a:ext>
+            </a:extLst>
+          </a:blip>
+          <a:srcRect/>
+          <a:stretch>
+            <a:fillRect/>
+          </a:stretch>
+        </p:blipFill>
+        <p:spPr bwMode="auto">
+          <a:xfrm>
+            <a:off x="0" y="1384300"/>
+            <a:ext cx="2963333" cy="2222500"/>
+          </a:xfrm>
+          <a:prstGeom prst="rect">
+            <a:avLst/>
+          </a:prstGeom>
+          <a:noFill/>
+          <a:extLst>
+            <a:ext uri="{909E8E84-426E-40DD-AFC4-6F175D3DCCD1}">
+              <a14:hiddenFill xmlns:a14="http://schemas.microsoft.com/office/drawing/2010/main">
+                <a:solidFill>
+                  <a:srgbClr val="FFFFFF"/>
+                </a:solidFill>
+              </a14:hiddenFill>
+            </a:ext>
+          </a:extLst>
+        </p:spPr>
+      </p:pic>
+      <p:pic>
+        <p:nvPicPr>
+          <p:cNvPr id="5126" name="Picture 6" descr="Официальный сайт | Minecraft | Minecraft"/>
+          <p:cNvPicPr>
+            <a:picLocks noChangeAspect="1" noChangeArrowheads="1"/>
+          </p:cNvPicPr>
+          <p:nvPr/>
+        </p:nvPicPr>
+        <p:blipFill>
+          <a:blip r:embed="rId3">
+            <a:extLst>
+              <a:ext uri="{28A0092B-C50C-407E-A947-70E740481C1C}">
+                <a14:useLocalDpi xmlns:a14="http://schemas.microsoft.com/office/drawing/2010/main" val="0"/>
+              </a:ext>
+            </a:extLst>
+          </a:blip>
+          <a:srcRect/>
+          <a:stretch>
+            <a:fillRect/>
+          </a:stretch>
+        </p:blipFill>
+        <p:spPr bwMode="auto">
+          <a:xfrm>
+            <a:off x="6359969" y="1384300"/>
+            <a:ext cx="1628332" cy="2523915"/>
+          </a:xfrm>
+          <a:prstGeom prst="rect">
+            <a:avLst/>
+          </a:prstGeom>
+          <a:noFill/>
+          <a:extLst>
+            <a:ext uri="{909E8E84-426E-40DD-AFC4-6F175D3DCCD1}">
+              <a14:hiddenFill xmlns:a14="http://schemas.microsoft.com/office/drawing/2010/main">
+                <a:solidFill>
+                  <a:srgbClr val="FFFFFF"/>
+                </a:solidFill>
+              </a14:hiddenFill>
+            </a:ext>
+          </a:extLst>
+        </p:spPr>
+      </p:pic>
     </p:spTree>
     <p:extLst>
       <p:ext uri="{BB962C8B-B14F-4D97-AF65-F5344CB8AC3E}">
@@ -6894,6 +7480,129 @@
           </a:p>
         </p:txBody>
       </p:sp>
+      <p:pic>
+        <p:nvPicPr>
+          <p:cNvPr id="6146" name="Picture 2" descr="Red Dead Redemption 2 — Википедия"/>
+          <p:cNvPicPr>
+            <a:picLocks noChangeAspect="1" noChangeArrowheads="1"/>
+          </p:cNvPicPr>
+          <p:nvPr/>
+        </p:nvPicPr>
+        <p:blipFill>
+          <a:blip r:embed="rId2">
+            <a:extLst>
+              <a:ext uri="{28A0092B-C50C-407E-A947-70E740481C1C}">
+                <a14:useLocalDpi xmlns:a14="http://schemas.microsoft.com/office/drawing/2010/main" val="0"/>
+              </a:ext>
+            </a:extLst>
+          </a:blip>
+          <a:srcRect/>
+          <a:stretch>
+            <a:fillRect/>
+          </a:stretch>
+        </p:blipFill>
+        <p:spPr bwMode="auto">
+          <a:xfrm>
+            <a:off x="1425575" y="1827213"/>
+            <a:ext cx="1988273" cy="2452688"/>
+          </a:xfrm>
+          <a:prstGeom prst="rect">
+            <a:avLst/>
+          </a:prstGeom>
+          <a:noFill/>
+          <a:extLst>
+            <a:ext uri="{909E8E84-426E-40DD-AFC4-6F175D3DCCD1}">
+              <a14:hiddenFill xmlns:a14="http://schemas.microsoft.com/office/drawing/2010/main">
+                <a:solidFill>
+                  <a:srgbClr val="FFFFFF"/>
+                </a:solidFill>
+              </a14:hiddenFill>
+            </a:ext>
+          </a:extLst>
+        </p:spPr>
+      </p:pic>
+      <p:pic>
+        <p:nvPicPr>
+          <p:cNvPr id="6148" name="Picture 4" descr="Twitch: Live Game Streaming - Apps on Google Play"/>
+          <p:cNvPicPr>
+            <a:picLocks noChangeAspect="1" noChangeArrowheads="1"/>
+          </p:cNvPicPr>
+          <p:nvPr/>
+        </p:nvPicPr>
+        <p:blipFill>
+          <a:blip r:embed="rId3" cstate="print">
+            <a:extLst>
+              <a:ext uri="{28A0092B-C50C-407E-A947-70E740481C1C}">
+                <a14:useLocalDpi xmlns:a14="http://schemas.microsoft.com/office/drawing/2010/main" val="0"/>
+              </a:ext>
+            </a:extLst>
+          </a:blip>
+          <a:srcRect/>
+          <a:stretch>
+            <a:fillRect/>
+          </a:stretch>
+        </p:blipFill>
+        <p:spPr bwMode="auto">
+          <a:xfrm>
+            <a:off x="4549775" y="2011363"/>
+            <a:ext cx="2084388" cy="2084388"/>
+          </a:xfrm>
+          <a:prstGeom prst="rect">
+            <a:avLst/>
+          </a:prstGeom>
+          <a:noFill/>
+          <a:extLst>
+            <a:ext uri="{909E8E84-426E-40DD-AFC4-6F175D3DCCD1}">
+              <a14:hiddenFill xmlns:a14="http://schemas.microsoft.com/office/drawing/2010/main">
+                <a:solidFill>
+                  <a:srgbClr val="FFFFFF"/>
+                </a:solidFill>
+              </a14:hiddenFill>
+            </a:ext>
+          </a:extLst>
+        </p:spPr>
+      </p:pic>
+      <p:pic>
+        <p:nvPicPr>
+          <p:cNvPr id="6150" name="Picture 6" descr="YouTube"/>
+          <p:cNvPicPr>
+            <a:picLocks noChangeAspect="1" noChangeArrowheads="1"/>
+          </p:cNvPicPr>
+          <p:nvPr/>
+        </p:nvPicPr>
+        <p:blipFill>
+          <a:blip r:embed="rId4" cstate="print">
+            <a:extLst>
+              <a:ext uri="{28A0092B-C50C-407E-A947-70E740481C1C}">
+                <a14:useLocalDpi xmlns:a14="http://schemas.microsoft.com/office/drawing/2010/main" val="0"/>
+              </a:ext>
+            </a:extLst>
+          </a:blip>
+          <a:srcRect/>
+          <a:stretch>
+            <a:fillRect/>
+          </a:stretch>
+        </p:blipFill>
+        <p:spPr bwMode="auto">
+          <a:xfrm>
+            <a:off x="7770090" y="1930400"/>
+            <a:ext cx="1876425" cy="1876425"/>
+          </a:xfrm>
+          <a:prstGeom prst="rect">
+            <a:avLst/>
+          </a:prstGeom>
+          <a:noFill/>
+          <a:extLst>
+            <a:ext uri="{909E8E84-426E-40DD-AFC4-6F175D3DCCD1}">
+              <a14:hiddenFill xmlns:a14="http://schemas.microsoft.com/office/drawing/2010/main">
+                <a:solidFill>
+                  <a:srgbClr val="FFFFFF"/>
+                </a:solidFill>
+              </a14:hiddenFill>
+            </a:ext>
+          </a:extLst>
+        </p:spPr>
+      </p:pic>
     </p:spTree>
     <p:extLst>
       <p:ext uri="{BB962C8B-B14F-4D97-AF65-F5344CB8AC3E}">
